--- a/REPORT_README/Report.pptx
+++ b/REPORT_README/Report.pptx
@@ -9055,6 +9055,1171 @@
       <dsp:cNvGrpSpPr/>
     </dsp:nvGrpSpPr>
     <dsp:grpSpPr/>
+    <dsp:sp modelId="{80D44A78-699D-5B48-A897-BA45F5747B01}">
+      <dsp:nvSpPr>
+        <dsp:cNvPr id="0" name=""/>
+        <dsp:cNvSpPr/>
+      </dsp:nvSpPr>
+      <dsp:spPr>
+        <a:xfrm>
+          <a:off x="661209" y="607975"/>
+          <a:ext cx="6391695" cy="4091495"/>
+        </a:xfrm>
+        <a:prstGeom prst="rect">
+          <a:avLst/>
+        </a:prstGeom>
+        <a:solidFill>
+          <a:schemeClr val="accent1">
+            <a:tint val="50000"/>
+            <a:hueOff val="0"/>
+            <a:satOff val="0"/>
+            <a:lumOff val="0"/>
+            <a:alphaOff val="0"/>
+          </a:schemeClr>
+        </a:solidFill>
+        <a:ln>
+          <a:noFill/>
+        </a:ln>
+        <a:effectLst>
+          <a:outerShdw blurRad="38100" dist="25400" dir="5400000" rotWithShape="0">
+            <a:srgbClr val="000000">
+              <a:alpha val="35000"/>
+            </a:srgbClr>
+          </a:outerShdw>
+        </a:effectLst>
+      </dsp:spPr>
+      <dsp:style>
+        <a:lnRef idx="0">
+          <a:scrgbClr r="0" g="0" b="0"/>
+        </a:lnRef>
+        <a:fillRef idx="1">
+          <a:scrgbClr r="0" g="0" b="0"/>
+        </a:fillRef>
+        <a:effectRef idx="2">
+          <a:scrgbClr r="0" g="0" b="0"/>
+        </a:effectRef>
+        <a:fontRef idx="minor"/>
+      </dsp:style>
+    </dsp:sp>
+    <dsp:sp modelId="{F52BA511-95F5-CA46-B945-0D6FE100C886}">
+      <dsp:nvSpPr>
+        <dsp:cNvPr id="0" name=""/>
+        <dsp:cNvSpPr/>
+      </dsp:nvSpPr>
+      <dsp:spPr>
+        <a:xfrm>
+          <a:off x="864098" y="1224146"/>
+          <a:ext cx="2968097" cy="2825838"/>
+        </a:xfrm>
+        <a:prstGeom prst="rect">
+          <a:avLst/>
+        </a:prstGeom>
+        <a:noFill/>
+        <a:ln>
+          <a:noFill/>
+        </a:ln>
+        <a:effectLst/>
+      </dsp:spPr>
+      <dsp:style>
+        <a:lnRef idx="0">
+          <a:scrgbClr r="0" g="0" b="0"/>
+        </a:lnRef>
+        <a:fillRef idx="0">
+          <a:scrgbClr r="0" g="0" b="0"/>
+        </a:fillRef>
+        <a:effectRef idx="0">
+          <a:scrgbClr r="0" g="0" b="0"/>
+        </a:effectRef>
+        <a:fontRef idx="minor"/>
+      </dsp:style>
+      <dsp:txBody>
+        <a:bodyPr spcFirstLastPara="0" vert="horz" wrap="square" lIns="32385" tIns="32385" rIns="32385" bIns="32385" numCol="1" spcCol="1270" anchor="t" anchorCtr="0">
+          <a:noAutofit/>
+        </a:bodyPr>
+        <a:lstStyle/>
+        <a:p>
+          <a:pPr lvl="0" algn="l" defTabSz="755650">
+            <a:lnSpc>
+              <a:spcPct val="90000"/>
+            </a:lnSpc>
+            <a:spcBef>
+              <a:spcPct val="0"/>
+            </a:spcBef>
+            <a:spcAft>
+              <a:spcPct val="35000"/>
+            </a:spcAft>
+          </a:pPr>
+          <a:r>
+            <a:rPr lang="en-US" sz="1700" kern="1200" dirty="0" smtClean="0"/>
+            <a:t>_ </a:t>
+          </a:r>
+          <a:r>
+            <a:rPr lang="en-US" sz="1700" kern="1200" dirty="0" err="1" smtClean="0"/>
+            <a:t>Mở</a:t>
+          </a:r>
+          <a:r>
+            <a:rPr lang="en-US" sz="1700" kern="1200" dirty="0" smtClean="0"/>
+            <a:t> </a:t>
+          </a:r>
+          <a:r>
+            <a:rPr lang="en-US" sz="1700" kern="1200" dirty="0" err="1" smtClean="0"/>
+            <a:t>rộng</a:t>
+          </a:r>
+          <a:r>
+            <a:rPr lang="en-US" sz="1700" kern="1200" dirty="0" smtClean="0"/>
+            <a:t> CSDL </a:t>
+          </a:r>
+          <a:r>
+            <a:rPr lang="en-US" sz="1700" kern="1200" dirty="0" err="1" smtClean="0"/>
+            <a:t>có</a:t>
+          </a:r>
+          <a:r>
+            <a:rPr lang="en-US" sz="1700" kern="1200" dirty="0" smtClean="0"/>
+            <a:t> </a:t>
+          </a:r>
+          <a:r>
+            <a:rPr lang="en-US" sz="1700" kern="1200" dirty="0" err="1" smtClean="0"/>
+            <a:t>thông</a:t>
+          </a:r>
+          <a:r>
+            <a:rPr lang="en-US" sz="1700" kern="1200" dirty="0" smtClean="0"/>
+            <a:t> tin, </a:t>
+          </a:r>
+          <a:r>
+            <a:rPr lang="en-US" sz="1700" kern="1200" dirty="0" err="1" smtClean="0"/>
+            <a:t>đặc</a:t>
+          </a:r>
+          <a:r>
+            <a:rPr lang="en-US" sz="1700" kern="1200" dirty="0" smtClean="0"/>
+            <a:t> </a:t>
+          </a:r>
+          <a:r>
+            <a:rPr lang="en-US" sz="1700" kern="1200" dirty="0" err="1" smtClean="0"/>
+            <a:t>điểm</a:t>
+          </a:r>
+          <a:r>
+            <a:rPr lang="en-US" sz="1700" kern="1200" dirty="0" smtClean="0"/>
+            <a:t> </a:t>
+          </a:r>
+          <a:r>
+            <a:rPr lang="en-US" sz="1700" kern="1200" dirty="0" err="1" smtClean="0"/>
+            <a:t>nhân</a:t>
+          </a:r>
+          <a:r>
+            <a:rPr lang="en-US" sz="1700" kern="1200" dirty="0" smtClean="0"/>
+            <a:t> </a:t>
+          </a:r>
+          <a:r>
+            <a:rPr lang="en-US" sz="1700" kern="1200" dirty="0" err="1" smtClean="0"/>
+            <a:t>vật</a:t>
+          </a:r>
+          <a:r>
+            <a:rPr lang="en-US" sz="1700" kern="1200" dirty="0" smtClean="0"/>
+            <a:t> </a:t>
+          </a:r>
+          <a:r>
+            <a:rPr lang="en-US" sz="1700" kern="1200" dirty="0" err="1" smtClean="0"/>
+            <a:t>của</a:t>
+          </a:r>
+          <a:r>
+            <a:rPr lang="en-US" sz="1700" kern="1200" dirty="0" smtClean="0"/>
+            <a:t> </a:t>
+          </a:r>
+          <a:r>
+            <a:rPr lang="en-US" sz="1700" kern="1200" dirty="0" err="1" smtClean="0"/>
+            <a:t>từng</a:t>
+          </a:r>
+          <a:r>
+            <a:rPr lang="en-US" sz="1700" kern="1200" dirty="0" smtClean="0"/>
+            <a:t> Anime.</a:t>
+          </a:r>
+        </a:p>
+        <a:p>
+          <a:pPr lvl="0" algn="l" defTabSz="755650">
+            <a:lnSpc>
+              <a:spcPct val="90000"/>
+            </a:lnSpc>
+            <a:spcBef>
+              <a:spcPct val="0"/>
+            </a:spcBef>
+            <a:spcAft>
+              <a:spcPct val="35000"/>
+            </a:spcAft>
+          </a:pPr>
+          <a:r>
+            <a:rPr lang="en-US" sz="1700" kern="1200" dirty="0" smtClean="0"/>
+            <a:t>_ </a:t>
+          </a:r>
+          <a:r>
+            <a:rPr lang="en-US" sz="1700" kern="1200" dirty="0" err="1" smtClean="0"/>
+            <a:t>Mở</a:t>
+          </a:r>
+          <a:r>
+            <a:rPr lang="en-US" sz="1700" kern="1200" dirty="0" smtClean="0"/>
+            <a:t> </a:t>
+          </a:r>
+          <a:r>
+            <a:rPr lang="en-US" sz="1700" kern="1200" dirty="0" err="1" smtClean="0"/>
+            <a:t>rộng</a:t>
+          </a:r>
+          <a:r>
+            <a:rPr lang="en-US" sz="1700" kern="1200" dirty="0" smtClean="0"/>
+            <a:t> </a:t>
+          </a:r>
+          <a:r>
+            <a:rPr lang="en-US" sz="1700" kern="1200" dirty="0" err="1" smtClean="0"/>
+            <a:t>thêm</a:t>
+          </a:r>
+          <a:r>
+            <a:rPr lang="en-US" sz="1700" kern="1200" dirty="0" smtClean="0"/>
+            <a:t> </a:t>
+          </a:r>
+          <a:r>
+            <a:rPr lang="en-US" sz="1700" kern="1200" dirty="0" err="1" smtClean="0"/>
+            <a:t>chức</a:t>
+          </a:r>
+          <a:r>
+            <a:rPr lang="en-US" sz="1700" kern="1200" dirty="0" smtClean="0"/>
+            <a:t> </a:t>
+          </a:r>
+          <a:r>
+            <a:rPr lang="en-US" sz="1700" kern="1200" dirty="0" err="1" smtClean="0"/>
+            <a:t>năng</a:t>
+          </a:r>
+          <a:r>
+            <a:rPr lang="en-US" sz="1700" kern="1200" dirty="0" smtClean="0"/>
+            <a:t> “</a:t>
+          </a:r>
+          <a:r>
+            <a:rPr lang="en-US" sz="1700" kern="1200" dirty="0" err="1" smtClean="0"/>
+            <a:t>đánh</a:t>
+          </a:r>
+          <a:r>
+            <a:rPr lang="en-US" sz="1700" kern="1200" dirty="0" smtClean="0"/>
+            <a:t> </a:t>
+          </a:r>
+          <a:r>
+            <a:rPr lang="en-US" sz="1700" kern="1200" dirty="0" err="1" smtClean="0"/>
+            <a:t>giá</a:t>
+          </a:r>
+          <a:r>
+            <a:rPr lang="en-US" sz="1700" kern="1200" dirty="0" smtClean="0"/>
+            <a:t>”, </a:t>
+          </a:r>
+          <a:r>
+            <a:rPr lang="en-US" sz="1700" kern="1200" dirty="0" err="1" smtClean="0"/>
+            <a:t>lưu</a:t>
+          </a:r>
+          <a:r>
+            <a:rPr lang="en-US" sz="1700" kern="1200" dirty="0" smtClean="0"/>
+            <a:t> </a:t>
+          </a:r>
+          <a:r>
+            <a:rPr lang="en-US" sz="1700" kern="1200" dirty="0" err="1" smtClean="0"/>
+            <a:t>lại</a:t>
+          </a:r>
+          <a:r>
+            <a:rPr lang="en-US" sz="1700" kern="1200" dirty="0" smtClean="0"/>
+            <a:t> </a:t>
+          </a:r>
+          <a:r>
+            <a:rPr lang="en-US" sz="1700" kern="1200" dirty="0" err="1" smtClean="0"/>
+            <a:t>đánh</a:t>
+          </a:r>
+          <a:r>
+            <a:rPr lang="en-US" sz="1700" kern="1200" dirty="0" smtClean="0"/>
+            <a:t> </a:t>
+          </a:r>
+          <a:r>
+            <a:rPr lang="en-US" sz="1700" kern="1200" dirty="0" err="1" smtClean="0"/>
+            <a:t>giá</a:t>
+          </a:r>
+          <a:r>
+            <a:rPr lang="en-US" sz="1700" kern="1200" dirty="0" smtClean="0"/>
+            <a:t> </a:t>
+          </a:r>
+          <a:r>
+            <a:rPr lang="en-US" sz="1700" kern="1200" dirty="0" err="1" smtClean="0"/>
+            <a:t>của</a:t>
+          </a:r>
+          <a:r>
+            <a:rPr lang="en-US" sz="1700" kern="1200" dirty="0" smtClean="0"/>
+            <a:t> </a:t>
+          </a:r>
+          <a:r>
+            <a:rPr lang="en-US" sz="1700" kern="1200" dirty="0" err="1" smtClean="0"/>
+            <a:t>người</a:t>
+          </a:r>
+          <a:r>
+            <a:rPr lang="en-US" sz="1700" kern="1200" dirty="0" smtClean="0"/>
+            <a:t> </a:t>
+          </a:r>
+          <a:r>
+            <a:rPr lang="en-US" sz="1700" kern="1200" dirty="0" err="1" smtClean="0"/>
+            <a:t>dùng</a:t>
+          </a:r>
+          <a:r>
+            <a:rPr lang="en-US" sz="1700" kern="1200" dirty="0" smtClean="0"/>
+            <a:t> </a:t>
+          </a:r>
+          <a:r>
+            <a:rPr lang="en-US" sz="1700" kern="1200" dirty="0" err="1" smtClean="0"/>
+            <a:t>để</a:t>
+          </a:r>
+          <a:r>
+            <a:rPr lang="en-US" sz="1700" kern="1200" dirty="0" smtClean="0"/>
+            <a:t> </a:t>
+          </a:r>
+          <a:r>
+            <a:rPr lang="en-US" sz="1700" kern="1200" dirty="0" err="1" smtClean="0"/>
+            <a:t>chấm</a:t>
+          </a:r>
+          <a:r>
+            <a:rPr lang="en-US" sz="1700" kern="1200" dirty="0" smtClean="0"/>
+            <a:t> </a:t>
+          </a:r>
+          <a:r>
+            <a:rPr lang="en-US" sz="1700" kern="1200" dirty="0" err="1" smtClean="0"/>
+            <a:t>điểm</a:t>
+          </a:r>
+          <a:r>
+            <a:rPr lang="en-US" sz="1700" kern="1200" dirty="0" smtClean="0"/>
+            <a:t> </a:t>
+          </a:r>
+          <a:r>
+            <a:rPr lang="en-US" sz="1700" kern="1200" dirty="0" err="1" smtClean="0"/>
+            <a:t>cho</a:t>
+          </a:r>
+          <a:r>
+            <a:rPr lang="en-US" sz="1700" kern="1200" dirty="0" smtClean="0"/>
+            <a:t> Anime </a:t>
+          </a:r>
+          <a:r>
+            <a:rPr lang="en-US" sz="1700" kern="1200" dirty="0" err="1" smtClean="0"/>
+            <a:t>đó</a:t>
+          </a:r>
+          <a:r>
+            <a:rPr lang="en-US" sz="1700" kern="1200" dirty="0" smtClean="0"/>
+            <a:t>.</a:t>
+          </a:r>
+        </a:p>
+        <a:p>
+          <a:pPr lvl="0" algn="l" defTabSz="755650">
+            <a:lnSpc>
+              <a:spcPct val="90000"/>
+            </a:lnSpc>
+            <a:spcBef>
+              <a:spcPct val="0"/>
+            </a:spcBef>
+            <a:spcAft>
+              <a:spcPct val="35000"/>
+            </a:spcAft>
+          </a:pPr>
+          <a:r>
+            <a:rPr lang="en-US" sz="1700" kern="1200" dirty="0" smtClean="0"/>
+            <a:t>_ Cho </a:t>
+          </a:r>
+          <a:r>
+            <a:rPr lang="en-US" sz="1700" kern="1200" dirty="0" err="1" smtClean="0"/>
+            <a:t>phép</a:t>
+          </a:r>
+          <a:r>
+            <a:rPr lang="en-US" sz="1700" kern="1200" dirty="0" smtClean="0"/>
+            <a:t> </a:t>
+          </a:r>
+          <a:r>
+            <a:rPr lang="en-US" sz="1700" kern="1200" dirty="0" err="1" smtClean="0"/>
+            <a:t>người</a:t>
+          </a:r>
+          <a:r>
+            <a:rPr lang="en-US" sz="1700" kern="1200" dirty="0" smtClean="0"/>
+            <a:t> </a:t>
+          </a:r>
+          <a:r>
+            <a:rPr lang="en-US" sz="1700" kern="1200" dirty="0" err="1" smtClean="0"/>
+            <a:t>dùng</a:t>
+          </a:r>
+          <a:r>
+            <a:rPr lang="en-US" sz="1700" kern="1200" dirty="0" smtClean="0"/>
+            <a:t> </a:t>
+          </a:r>
+          <a:r>
+            <a:rPr lang="en-US" sz="1700" kern="1200" dirty="0" err="1" smtClean="0"/>
+            <a:t>tìm</a:t>
+          </a:r>
+          <a:r>
+            <a:rPr lang="en-US" sz="1700" kern="1200" dirty="0" smtClean="0"/>
+            <a:t> </a:t>
+          </a:r>
+          <a:r>
+            <a:rPr lang="en-US" sz="1700" kern="1200" dirty="0" err="1" smtClean="0"/>
+            <a:t>ra</a:t>
+          </a:r>
+          <a:r>
+            <a:rPr lang="en-US" sz="1700" kern="1200" dirty="0" smtClean="0"/>
+            <a:t> Anime, </a:t>
+          </a:r>
+          <a:r>
+            <a:rPr lang="en-US" sz="1700" kern="1200" dirty="0" err="1" smtClean="0"/>
+            <a:t>nhân</a:t>
+          </a:r>
+          <a:r>
+            <a:rPr lang="en-US" sz="1700" kern="1200" dirty="0" smtClean="0"/>
+            <a:t> </a:t>
+          </a:r>
+          <a:r>
+            <a:rPr lang="en-US" sz="1700" kern="1200" dirty="0" err="1" smtClean="0"/>
+            <a:t>vật</a:t>
+          </a:r>
+          <a:r>
+            <a:rPr lang="en-US" sz="1700" kern="1200" dirty="0" smtClean="0"/>
+            <a:t> </a:t>
+          </a:r>
+          <a:r>
+            <a:rPr lang="en-US" sz="1700" kern="1200" dirty="0" err="1" smtClean="0"/>
+            <a:t>dựa</a:t>
+          </a:r>
+          <a:r>
+            <a:rPr lang="en-US" sz="1700" kern="1200" dirty="0" smtClean="0"/>
+            <a:t> </a:t>
+          </a:r>
+          <a:r>
+            <a:rPr lang="en-US" sz="1700" kern="1200" dirty="0" err="1" smtClean="0"/>
+            <a:t>theo</a:t>
+          </a:r>
+          <a:r>
+            <a:rPr lang="en-US" sz="1700" kern="1200" dirty="0" smtClean="0"/>
+            <a:t> </a:t>
+          </a:r>
+          <a:r>
+            <a:rPr lang="en-US" sz="1700" kern="1200" dirty="0" err="1" smtClean="0"/>
+            <a:t>đặc</a:t>
+          </a:r>
+          <a:r>
+            <a:rPr lang="en-US" sz="1700" kern="1200" dirty="0" smtClean="0"/>
+            <a:t> </a:t>
+          </a:r>
+          <a:r>
+            <a:rPr lang="en-US" sz="1700" kern="1200" dirty="0" err="1" smtClean="0"/>
+            <a:t>điểm</a:t>
+          </a:r>
+          <a:r>
+            <a:rPr lang="en-US" sz="1700" kern="1200" dirty="0" smtClean="0"/>
+            <a:t> </a:t>
+          </a:r>
+          <a:r>
+            <a:rPr lang="en-US" sz="1700" kern="1200" dirty="0" err="1" smtClean="0"/>
+            <a:t>nhất</a:t>
+          </a:r>
+          <a:r>
+            <a:rPr lang="en-US" sz="1700" kern="1200" dirty="0" smtClean="0"/>
+            <a:t> </a:t>
+          </a:r>
+          <a:r>
+            <a:rPr lang="en-US" sz="1700" kern="1200" dirty="0" err="1" smtClean="0"/>
+            <a:t>định</a:t>
+          </a:r>
+          <a:r>
+            <a:rPr lang="en-US" sz="1700" kern="1200" dirty="0" smtClean="0"/>
+            <a:t> </a:t>
+          </a:r>
+          <a:r>
+            <a:rPr lang="en-US" sz="1700" kern="1200" dirty="0" err="1" smtClean="0"/>
+            <a:t>của</a:t>
+          </a:r>
+          <a:r>
+            <a:rPr lang="en-US" sz="1700" kern="1200" dirty="0" smtClean="0"/>
+            <a:t> </a:t>
+          </a:r>
+          <a:r>
+            <a:rPr lang="en-US" sz="1700" kern="1200" dirty="0" err="1" smtClean="0"/>
+            <a:t>nhân</a:t>
+          </a:r>
+          <a:r>
+            <a:rPr lang="en-US" sz="1700" kern="1200" dirty="0" smtClean="0"/>
+            <a:t> </a:t>
+          </a:r>
+          <a:r>
+            <a:rPr lang="en-US" sz="1700" kern="1200" dirty="0" err="1" smtClean="0"/>
+            <a:t>vật</a:t>
+          </a:r>
+          <a:r>
+            <a:rPr lang="en-US" sz="1700" kern="1200" dirty="0" smtClean="0"/>
+            <a:t>. VD: </a:t>
+          </a:r>
+          <a:r>
+            <a:rPr lang="en-US" sz="1700" kern="1200" dirty="0" err="1" smtClean="0"/>
+            <a:t>mắt</a:t>
+          </a:r>
+          <a:r>
+            <a:rPr lang="en-US" sz="1700" kern="1200" dirty="0" smtClean="0"/>
+            <a:t> </a:t>
+          </a:r>
+          <a:r>
+            <a:rPr lang="en-US" sz="1700" kern="1200" dirty="0" err="1" smtClean="0"/>
+            <a:t>đen</a:t>
+          </a:r>
+          <a:r>
+            <a:rPr lang="en-US" sz="1700" kern="1200" dirty="0" smtClean="0"/>
+            <a:t>, </a:t>
+          </a:r>
+          <a:r>
+            <a:rPr lang="en-US" sz="1700" kern="1200" dirty="0" err="1" smtClean="0"/>
+            <a:t>tóc</a:t>
+          </a:r>
+          <a:r>
+            <a:rPr lang="en-US" sz="1700" kern="1200" dirty="0" smtClean="0"/>
+            <a:t> </a:t>
+          </a:r>
+          <a:r>
+            <a:rPr lang="en-US" sz="1700" kern="1200" dirty="0" err="1" smtClean="0"/>
+            <a:t>vàng</a:t>
+          </a:r>
+          <a:r>
+            <a:rPr lang="en-US" sz="1700" kern="1200" dirty="0" smtClean="0"/>
+            <a:t>, …</a:t>
+          </a:r>
+          <a:r>
+            <a:rPr lang="en-US" sz="1700" kern="1200" dirty="0" err="1" smtClean="0"/>
+            <a:t>v.v</a:t>
+          </a:r>
+          <a:endParaRPr lang="en-US" sz="1700" kern="1200" dirty="0" smtClean="0"/>
+        </a:p>
+      </dsp:txBody>
+      <dsp:txXfrm>
+        <a:off x="864098" y="1224146"/>
+        <a:ext cx="2968097" cy="2825838"/>
+      </dsp:txXfrm>
+    </dsp:sp>
+    <dsp:sp modelId="{2F9B771D-F614-154F-97EF-752D9EB65A1E}">
+      <dsp:nvSpPr>
+        <dsp:cNvPr id="0" name=""/>
+        <dsp:cNvSpPr/>
+      </dsp:nvSpPr>
+      <dsp:spPr>
+        <a:xfrm>
+          <a:off x="3888433" y="1512156"/>
+          <a:ext cx="2968097" cy="2825838"/>
+        </a:xfrm>
+        <a:prstGeom prst="rect">
+          <a:avLst/>
+        </a:prstGeom>
+        <a:noFill/>
+        <a:ln>
+          <a:noFill/>
+        </a:ln>
+        <a:effectLst/>
+      </dsp:spPr>
+      <dsp:style>
+        <a:lnRef idx="0">
+          <a:scrgbClr r="0" g="0" b="0"/>
+        </a:lnRef>
+        <a:fillRef idx="0">
+          <a:scrgbClr r="0" g="0" b="0"/>
+        </a:fillRef>
+        <a:effectRef idx="0">
+          <a:scrgbClr r="0" g="0" b="0"/>
+        </a:effectRef>
+        <a:fontRef idx="minor"/>
+      </dsp:style>
+      <dsp:txBody>
+        <a:bodyPr spcFirstLastPara="0" vert="horz" wrap="square" lIns="32385" tIns="32385" rIns="32385" bIns="32385" numCol="1" spcCol="1270" anchor="t" anchorCtr="0">
+          <a:noAutofit/>
+        </a:bodyPr>
+        <a:lstStyle/>
+        <a:p>
+          <a:pPr lvl="0" algn="l" defTabSz="755650">
+            <a:lnSpc>
+              <a:spcPct val="90000"/>
+            </a:lnSpc>
+            <a:spcBef>
+              <a:spcPct val="0"/>
+            </a:spcBef>
+            <a:spcAft>
+              <a:spcPct val="35000"/>
+            </a:spcAft>
+          </a:pPr>
+          <a:r>
+            <a:rPr lang="en-US" sz="1700" kern="1200" dirty="0" smtClean="0"/>
+            <a:t>_Cho </a:t>
+          </a:r>
+          <a:r>
+            <a:rPr lang="en-US" sz="1700" kern="1200" dirty="0" err="1" smtClean="0"/>
+            <a:t>phép</a:t>
+          </a:r>
+          <a:r>
+            <a:rPr lang="en-US" sz="1700" kern="1200" dirty="0" smtClean="0"/>
+            <a:t> </a:t>
+          </a:r>
+          <a:r>
+            <a:rPr lang="en-US" sz="1700" kern="1200" dirty="0" err="1" smtClean="0"/>
+            <a:t>người</a:t>
+          </a:r>
+          <a:r>
+            <a:rPr lang="en-US" sz="1700" kern="1200" dirty="0" smtClean="0"/>
+            <a:t> </a:t>
+          </a:r>
+          <a:r>
+            <a:rPr lang="en-US" sz="1700" kern="1200" dirty="0" err="1" smtClean="0"/>
+            <a:t>dùng</a:t>
+          </a:r>
+          <a:r>
+            <a:rPr lang="en-US" sz="1700" kern="1200" dirty="0" smtClean="0"/>
+            <a:t> </a:t>
+          </a:r>
+          <a:r>
+            <a:rPr lang="en-US" sz="1700" kern="1200" dirty="0" err="1" smtClean="0"/>
+            <a:t>tình</a:t>
+          </a:r>
+          <a:r>
+            <a:rPr lang="en-US" sz="1700" kern="1200" dirty="0" smtClean="0"/>
+            <a:t> </a:t>
+          </a:r>
+          <a:r>
+            <a:rPr lang="en-US" sz="1700" kern="1200" dirty="0" err="1" smtClean="0"/>
+            <a:t>kiếm</a:t>
+          </a:r>
+          <a:r>
+            <a:rPr lang="en-US" sz="1700" kern="1200" dirty="0" smtClean="0"/>
+            <a:t> </a:t>
+          </a:r>
+          <a:r>
+            <a:rPr lang="en-US" sz="1700" kern="1200" dirty="0" err="1" smtClean="0"/>
+            <a:t>theo</a:t>
+          </a:r>
+          <a:r>
+            <a:rPr lang="en-US" sz="1700" kern="1200" dirty="0" smtClean="0"/>
+            <a:t> </a:t>
+          </a:r>
+          <a:r>
+            <a:rPr lang="en-US" sz="1700" kern="1200" dirty="0" err="1" smtClean="0"/>
+            <a:t>số</a:t>
+          </a:r>
+          <a:r>
+            <a:rPr lang="en-US" sz="1700" kern="1200" dirty="0" smtClean="0"/>
+            <a:t> </a:t>
+          </a:r>
+          <a:r>
+            <a:rPr lang="en-US" sz="1700" kern="1200" dirty="0" err="1" smtClean="0"/>
+            <a:t>tập</a:t>
+          </a:r>
+          <a:r>
+            <a:rPr lang="en-US" sz="1700" kern="1200" dirty="0" smtClean="0"/>
+            <a:t>, </a:t>
+          </a:r>
+          <a:r>
+            <a:rPr lang="en-US" sz="1700" kern="1200" dirty="0" err="1" smtClean="0"/>
+            <a:t>tên</a:t>
+          </a:r>
+          <a:r>
+            <a:rPr lang="en-US" sz="1700" kern="1200" dirty="0" smtClean="0"/>
+            <a:t> </a:t>
+          </a:r>
+          <a:r>
+            <a:rPr lang="en-US" sz="1700" kern="1200" dirty="0" err="1" smtClean="0"/>
+            <a:t>mỗi</a:t>
+          </a:r>
+          <a:r>
+            <a:rPr lang="en-US" sz="1700" kern="1200" dirty="0" smtClean="0"/>
+            <a:t> </a:t>
+          </a:r>
+          <a:r>
+            <a:rPr lang="en-US" sz="1700" kern="1200" dirty="0" err="1" smtClean="0"/>
+            <a:t>tập</a:t>
+          </a:r>
+          <a:r>
+            <a:rPr lang="en-US" sz="1700" kern="1200" dirty="0" smtClean="0"/>
+            <a:t>, </a:t>
+          </a:r>
+          <a:r>
+            <a:rPr lang="en-US" sz="1700" kern="1200" dirty="0" err="1" smtClean="0"/>
+            <a:t>mức</a:t>
+          </a:r>
+          <a:r>
+            <a:rPr lang="en-US" sz="1700" kern="1200" dirty="0" smtClean="0"/>
+            <a:t> </a:t>
+          </a:r>
+          <a:r>
+            <a:rPr lang="en-US" sz="1700" kern="1200" dirty="0" err="1" smtClean="0"/>
+            <a:t>đánh</a:t>
+          </a:r>
+          <a:r>
+            <a:rPr lang="en-US" sz="1700" kern="1200" dirty="0" smtClean="0"/>
+            <a:t> </a:t>
+          </a:r>
+          <a:r>
+            <a:rPr lang="en-US" sz="1700" kern="1200" dirty="0" err="1" smtClean="0"/>
+            <a:t>giá</a:t>
+          </a:r>
+          <a:r>
+            <a:rPr lang="en-US" sz="1700" kern="1200" dirty="0" smtClean="0"/>
+            <a:t>, …</a:t>
+          </a:r>
+        </a:p>
+        <a:p>
+          <a:pPr lvl="0" algn="l" defTabSz="755650">
+            <a:lnSpc>
+              <a:spcPct val="90000"/>
+            </a:lnSpc>
+            <a:spcBef>
+              <a:spcPct val="0"/>
+            </a:spcBef>
+            <a:spcAft>
+              <a:spcPct val="35000"/>
+            </a:spcAft>
+          </a:pPr>
+          <a:r>
+            <a:rPr lang="en-US" sz="1700" kern="1200" dirty="0" smtClean="0"/>
+            <a:t>_ </a:t>
+          </a:r>
+          <a:r>
+            <a:rPr lang="en-US" sz="1700" kern="1200" dirty="0" err="1" smtClean="0"/>
+            <a:t>Phát</a:t>
+          </a:r>
+          <a:r>
+            <a:rPr lang="en-US" sz="1700" kern="1200" dirty="0" smtClean="0"/>
+            <a:t> </a:t>
+          </a:r>
+          <a:r>
+            <a:rPr lang="en-US" sz="1700" kern="1200" dirty="0" err="1" smtClean="0"/>
+            <a:t>triển</a:t>
+          </a:r>
+          <a:r>
+            <a:rPr lang="en-US" sz="1700" kern="1200" dirty="0" smtClean="0"/>
+            <a:t> </a:t>
+          </a:r>
+          <a:r>
+            <a:rPr lang="en-US" sz="1700" kern="1200" dirty="0" err="1" smtClean="0"/>
+            <a:t>ứng</a:t>
+          </a:r>
+          <a:r>
+            <a:rPr lang="en-US" sz="1700" kern="1200" dirty="0" smtClean="0"/>
+            <a:t> </a:t>
+          </a:r>
+          <a:r>
+            <a:rPr lang="en-US" sz="1700" kern="1200" dirty="0" err="1" smtClean="0"/>
+            <a:t>dụng</a:t>
+          </a:r>
+          <a:r>
+            <a:rPr lang="en-US" sz="1700" kern="1200" dirty="0" smtClean="0"/>
+            <a:t> </a:t>
+          </a:r>
+          <a:r>
+            <a:rPr lang="en-US" sz="1700" kern="1200" dirty="0" err="1" smtClean="0"/>
+            <a:t>để</a:t>
+          </a:r>
+          <a:r>
+            <a:rPr lang="en-US" sz="1700" kern="1200" dirty="0" smtClean="0"/>
+            <a:t> </a:t>
+          </a:r>
+          <a:r>
+            <a:rPr lang="en-US" sz="1700" kern="1200" dirty="0" err="1" smtClean="0"/>
+            <a:t>có</a:t>
+          </a:r>
+          <a:r>
+            <a:rPr lang="en-US" sz="1700" kern="1200" dirty="0" smtClean="0"/>
+            <a:t> </a:t>
+          </a:r>
+          <a:r>
+            <a:rPr lang="en-US" sz="1700" kern="1200" dirty="0" err="1" smtClean="0"/>
+            <a:t>thể</a:t>
+          </a:r>
+          <a:r>
+            <a:rPr lang="en-US" sz="1700" kern="1200" dirty="0" smtClean="0"/>
+            <a:t> </a:t>
+          </a:r>
+          <a:r>
+            <a:rPr lang="en-US" sz="1700" kern="1200" dirty="0" err="1" smtClean="0"/>
+            <a:t>xem</a:t>
+          </a:r>
+          <a:r>
+            <a:rPr lang="en-US" sz="1700" kern="1200" dirty="0" smtClean="0"/>
+            <a:t> </a:t>
+          </a:r>
+          <a:r>
+            <a:rPr lang="en-US" sz="1700" kern="1200" dirty="0" err="1" smtClean="0"/>
+            <a:t>được</a:t>
+          </a:r>
+          <a:r>
+            <a:rPr lang="en-US" sz="1700" kern="1200" dirty="0" smtClean="0"/>
+            <a:t> Anime </a:t>
+          </a:r>
+          <a:r>
+            <a:rPr lang="en-US" sz="1700" kern="1200" dirty="0" err="1" smtClean="0"/>
+            <a:t>đã</a:t>
+          </a:r>
+          <a:r>
+            <a:rPr lang="en-US" sz="1700" kern="1200" dirty="0" smtClean="0"/>
+            <a:t> </a:t>
+          </a:r>
+          <a:r>
+            <a:rPr lang="en-US" sz="1700" kern="1200" dirty="0" err="1" smtClean="0"/>
+            <a:t>tìm</a:t>
+          </a:r>
+          <a:r>
+            <a:rPr lang="en-US" sz="1700" kern="1200" dirty="0" smtClean="0"/>
+            <a:t> </a:t>
+          </a:r>
+          <a:r>
+            <a:rPr lang="en-US" sz="1700" kern="1200" dirty="0" err="1" smtClean="0"/>
+            <a:t>kiếm</a:t>
+          </a:r>
+          <a:r>
+            <a:rPr lang="en-US" sz="1700" kern="1200" dirty="0" smtClean="0"/>
+            <a:t>.</a:t>
+          </a:r>
+        </a:p>
+        <a:p>
+          <a:pPr lvl="0" algn="l" defTabSz="755650">
+            <a:lnSpc>
+              <a:spcPct val="90000"/>
+            </a:lnSpc>
+            <a:spcBef>
+              <a:spcPct val="0"/>
+            </a:spcBef>
+            <a:spcAft>
+              <a:spcPct val="35000"/>
+            </a:spcAft>
+          </a:pPr>
+          <a:r>
+            <a:rPr lang="en-US" sz="1700" kern="1200" dirty="0" smtClean="0"/>
+            <a:t>_ </a:t>
+          </a:r>
+          <a:r>
+            <a:rPr lang="en-US" sz="1700" kern="1200" dirty="0" err="1" smtClean="0"/>
+            <a:t>Phát</a:t>
+          </a:r>
+          <a:r>
+            <a:rPr lang="en-US" sz="1700" kern="1200" dirty="0" smtClean="0"/>
+            <a:t> </a:t>
+          </a:r>
+          <a:r>
+            <a:rPr lang="en-US" sz="1700" kern="1200" dirty="0" err="1" smtClean="0"/>
+            <a:t>triển</a:t>
+          </a:r>
+          <a:r>
+            <a:rPr lang="en-US" sz="1700" kern="1200" dirty="0" smtClean="0"/>
+            <a:t> </a:t>
+          </a:r>
+          <a:r>
+            <a:rPr lang="en-US" sz="1700" kern="1200" dirty="0" err="1" smtClean="0"/>
+            <a:t>trên</a:t>
+          </a:r>
+          <a:r>
+            <a:rPr lang="en-US" sz="1700" kern="1200" dirty="0" smtClean="0"/>
+            <a:t> </a:t>
+          </a:r>
+          <a:r>
+            <a:rPr lang="en-US" sz="1700" kern="1200" dirty="0" err="1" smtClean="0"/>
+            <a:t>các</a:t>
+          </a:r>
+          <a:r>
+            <a:rPr lang="en-US" sz="1700" kern="1200" dirty="0" smtClean="0"/>
+            <a:t> </a:t>
+          </a:r>
+          <a:r>
+            <a:rPr lang="en-US" sz="1700" kern="1200" dirty="0" err="1" smtClean="0"/>
+            <a:t>nền</a:t>
+          </a:r>
+          <a:r>
+            <a:rPr lang="en-US" sz="1700" kern="1200" dirty="0" smtClean="0"/>
+            <a:t> </a:t>
+          </a:r>
+          <a:r>
+            <a:rPr lang="en-US" sz="1700" kern="1200" dirty="0" err="1" smtClean="0"/>
+            <a:t>tảng</a:t>
+          </a:r>
+          <a:r>
+            <a:rPr lang="en-US" sz="1700" kern="1200" dirty="0" smtClean="0"/>
+            <a:t> </a:t>
+          </a:r>
+          <a:r>
+            <a:rPr lang="en-US" sz="1700" kern="1200" dirty="0" err="1" smtClean="0"/>
+            <a:t>khác</a:t>
+          </a:r>
+          <a:r>
+            <a:rPr lang="en-US" sz="1700" kern="1200" dirty="0" smtClean="0"/>
+            <a:t>: Web, di </a:t>
+          </a:r>
+          <a:r>
+            <a:rPr lang="en-US" sz="1700" kern="1200" dirty="0" err="1" smtClean="0"/>
+            <a:t>động</a:t>
+          </a:r>
+          <a:r>
+            <a:rPr lang="en-US" sz="1700" kern="1200" dirty="0" smtClean="0"/>
+            <a:t>; </a:t>
+          </a:r>
+          <a:r>
+            <a:rPr lang="en-US" sz="1700" kern="1200" dirty="0" err="1" smtClean="0"/>
+            <a:t>cho</a:t>
+          </a:r>
+          <a:r>
+            <a:rPr lang="en-US" sz="1700" kern="1200" dirty="0" smtClean="0"/>
+            <a:t> </a:t>
+          </a:r>
+          <a:r>
+            <a:rPr lang="en-US" sz="1700" kern="1200" dirty="0" err="1" smtClean="0"/>
+            <a:t>phép</a:t>
+          </a:r>
+          <a:r>
+            <a:rPr lang="en-US" sz="1700" kern="1200" dirty="0" smtClean="0"/>
+            <a:t> </a:t>
+          </a:r>
+          <a:r>
+            <a:rPr lang="en-US" sz="1700" kern="1200" dirty="0" err="1" smtClean="0"/>
+            <a:t>người</a:t>
+          </a:r>
+          <a:r>
+            <a:rPr lang="en-US" sz="1700" kern="1200" dirty="0" smtClean="0"/>
+            <a:t> </a:t>
+          </a:r>
+          <a:r>
+            <a:rPr lang="en-US" sz="1700" kern="1200" dirty="0" err="1" smtClean="0"/>
+            <a:t>dùng</a:t>
+          </a:r>
+          <a:r>
+            <a:rPr lang="en-US" sz="1700" kern="1200" dirty="0" smtClean="0"/>
+            <a:t> </a:t>
+          </a:r>
+          <a:r>
+            <a:rPr lang="en-US" sz="1700" kern="1200" dirty="0" err="1" smtClean="0"/>
+            <a:t>đóng</a:t>
+          </a:r>
+          <a:r>
+            <a:rPr lang="en-US" sz="1700" kern="1200" dirty="0" smtClean="0"/>
+            <a:t> </a:t>
+          </a:r>
+          <a:r>
+            <a:rPr lang="en-US" sz="1700" kern="1200" dirty="0" err="1" smtClean="0"/>
+            <a:t>góp</a:t>
+          </a:r>
+          <a:r>
+            <a:rPr lang="en-US" sz="1700" kern="1200" dirty="0" smtClean="0"/>
+            <a:t> </a:t>
+          </a:r>
+          <a:r>
+            <a:rPr lang="en-US" sz="1700" kern="1200" dirty="0" err="1" smtClean="0"/>
+            <a:t>làm</a:t>
+          </a:r>
+          <a:r>
+            <a:rPr lang="en-US" sz="1700" kern="1200" dirty="0" smtClean="0"/>
+            <a:t> </a:t>
+          </a:r>
+          <a:r>
+            <a:rPr lang="en-US" sz="1700" kern="1200" dirty="0" err="1" smtClean="0"/>
+            <a:t>giàu</a:t>
+          </a:r>
+          <a:r>
+            <a:rPr lang="en-US" sz="1700" kern="1200" dirty="0" smtClean="0"/>
+            <a:t> </a:t>
+          </a:r>
+          <a:r>
+            <a:rPr lang="en-US" sz="1700" kern="1200" dirty="0" err="1" smtClean="0"/>
+            <a:t>cho</a:t>
+          </a:r>
+          <a:r>
+            <a:rPr lang="en-US" sz="1700" kern="1200" dirty="0" smtClean="0"/>
+            <a:t> CSDL … </a:t>
+          </a:r>
+          <a:r>
+            <a:rPr lang="en-US" sz="1700" kern="1200" dirty="0" err="1" smtClean="0"/>
+            <a:t>v.v</a:t>
+          </a:r>
+          <a:endParaRPr lang="en-US" sz="1700" kern="1200" dirty="0"/>
+        </a:p>
+      </dsp:txBody>
+      <dsp:txXfrm>
+        <a:off x="3888433" y="1512156"/>
+        <a:ext cx="2968097" cy="2825838"/>
+      </dsp:txXfrm>
+    </dsp:sp>
+    <dsp:sp modelId="{FBB9587F-189D-F146-AE0A-396CBAF985D0}">
+      <dsp:nvSpPr>
+        <dsp:cNvPr id="0" name=""/>
+        <dsp:cNvSpPr/>
+      </dsp:nvSpPr>
+      <dsp:spPr>
+        <a:xfrm>
+          <a:off x="0" y="341088"/>
+          <a:ext cx="1248952" cy="1248952"/>
+        </a:xfrm>
+        <a:prstGeom prst="plus">
+          <a:avLst>
+            <a:gd name="adj" fmla="val 32810"/>
+          </a:avLst>
+        </a:prstGeom>
+        <a:gradFill rotWithShape="0">
+          <a:gsLst>
+            <a:gs pos="0">
+              <a:schemeClr val="accent1">
+                <a:hueOff val="0"/>
+                <a:satOff val="0"/>
+                <a:lumOff val="0"/>
+                <a:alphaOff val="0"/>
+                <a:tint val="96000"/>
+                <a:lumMod val="100000"/>
+              </a:schemeClr>
+            </a:gs>
+            <a:gs pos="78000">
+              <a:schemeClr val="accent1">
+                <a:hueOff val="0"/>
+                <a:satOff val="0"/>
+                <a:lumOff val="0"/>
+                <a:alphaOff val="0"/>
+                <a:shade val="94000"/>
+                <a:lumMod val="94000"/>
+              </a:schemeClr>
+            </a:gs>
+          </a:gsLst>
+          <a:lin ang="5400000" scaled="0"/>
+        </a:gradFill>
+        <a:ln w="12700" cap="rnd" cmpd="sng" algn="ctr">
+          <a:solidFill>
+            <a:schemeClr val="accent1">
+              <a:hueOff val="0"/>
+              <a:satOff val="0"/>
+              <a:lumOff val="0"/>
+              <a:alphaOff val="0"/>
+            </a:schemeClr>
+          </a:solidFill>
+          <a:prstDash val="solid"/>
+        </a:ln>
+        <a:effectLst>
+          <a:outerShdw blurRad="38100" dist="25400" dir="5400000" rotWithShape="0">
+            <a:srgbClr val="000000">
+              <a:alpha val="35000"/>
+            </a:srgbClr>
+          </a:outerShdw>
+        </a:effectLst>
+      </dsp:spPr>
+      <dsp:style>
+        <a:lnRef idx="1">
+          <a:scrgbClr r="0" g="0" b="0"/>
+        </a:lnRef>
+        <a:fillRef idx="3">
+          <a:scrgbClr r="0" g="0" b="0"/>
+        </a:fillRef>
+        <a:effectRef idx="2">
+          <a:scrgbClr r="0" g="0" b="0"/>
+        </a:effectRef>
+        <a:fontRef idx="minor">
+          <a:schemeClr val="lt1"/>
+        </a:fontRef>
+      </dsp:style>
+    </dsp:sp>
+    <dsp:sp modelId="{14622CCA-BDB0-1042-A45A-A060A0F8E5A7}">
+      <dsp:nvSpPr>
+        <dsp:cNvPr id="0" name=""/>
+        <dsp:cNvSpPr/>
+      </dsp:nvSpPr>
+      <dsp:spPr>
+        <a:xfrm>
+          <a:off x="6048677" y="720080"/>
+          <a:ext cx="1175484" cy="402827"/>
+        </a:xfrm>
+        <a:prstGeom prst="rect">
+          <a:avLst/>
+        </a:prstGeom>
+        <a:gradFill rotWithShape="0">
+          <a:gsLst>
+            <a:gs pos="0">
+              <a:schemeClr val="accent1">
+                <a:hueOff val="0"/>
+                <a:satOff val="0"/>
+                <a:lumOff val="0"/>
+                <a:alphaOff val="0"/>
+                <a:tint val="96000"/>
+                <a:lumMod val="100000"/>
+              </a:schemeClr>
+            </a:gs>
+            <a:gs pos="78000">
+              <a:schemeClr val="accent1">
+                <a:hueOff val="0"/>
+                <a:satOff val="0"/>
+                <a:lumOff val="0"/>
+                <a:alphaOff val="0"/>
+                <a:shade val="94000"/>
+                <a:lumMod val="94000"/>
+              </a:schemeClr>
+            </a:gs>
+          </a:gsLst>
+          <a:lin ang="5400000" scaled="0"/>
+        </a:gradFill>
+        <a:ln w="12700" cap="rnd" cmpd="sng" algn="ctr">
+          <a:solidFill>
+            <a:schemeClr val="accent1">
+              <a:hueOff val="0"/>
+              <a:satOff val="0"/>
+              <a:lumOff val="0"/>
+              <a:alphaOff val="0"/>
+            </a:schemeClr>
+          </a:solidFill>
+          <a:prstDash val="solid"/>
+        </a:ln>
+        <a:effectLst>
+          <a:outerShdw blurRad="38100" dist="25400" dir="5400000" rotWithShape="0">
+            <a:srgbClr val="000000">
+              <a:alpha val="35000"/>
+            </a:srgbClr>
+          </a:outerShdw>
+        </a:effectLst>
+      </dsp:spPr>
+      <dsp:style>
+        <a:lnRef idx="1">
+          <a:scrgbClr r="0" g="0" b="0"/>
+        </a:lnRef>
+        <a:fillRef idx="3">
+          <a:scrgbClr r="0" g="0" b="0"/>
+        </a:fillRef>
+        <a:effectRef idx="2">
+          <a:scrgbClr r="0" g="0" b="0"/>
+        </a:effectRef>
+        <a:fontRef idx="minor">
+          <a:schemeClr val="lt1"/>
+        </a:fontRef>
+      </dsp:style>
+    </dsp:sp>
+    <dsp:sp modelId="{2ACFD3D1-BBDD-DC4C-A7B4-3EFC44ACEF04}">
+      <dsp:nvSpPr>
+        <dsp:cNvPr id="0" name=""/>
+        <dsp:cNvSpPr/>
+      </dsp:nvSpPr>
+      <dsp:spPr>
+        <a:xfrm>
+          <a:off x="3857057" y="1394483"/>
+          <a:ext cx="734" cy="2698947"/>
+        </a:xfrm>
+        <a:prstGeom prst="line">
+          <a:avLst/>
+        </a:prstGeom>
+        <a:noFill/>
+        <a:ln w="12700" cap="rnd" cmpd="sng" algn="ctr">
+          <a:solidFill>
+            <a:schemeClr val="accent1">
+              <a:shade val="60000"/>
+              <a:hueOff val="0"/>
+              <a:satOff val="0"/>
+              <a:lumOff val="0"/>
+              <a:alphaOff val="0"/>
+            </a:schemeClr>
+          </a:solidFill>
+          <a:prstDash val="solid"/>
+        </a:ln>
+        <a:effectLst/>
+      </dsp:spPr>
+      <dsp:style>
+        <a:lnRef idx="1">
+          <a:scrgbClr r="0" g="0" b="0"/>
+        </a:lnRef>
+        <a:fillRef idx="0">
+          <a:scrgbClr r="0" g="0" b="0"/>
+        </a:fillRef>
+        <a:effectRef idx="0">
+          <a:scrgbClr r="0" g="0" b="0"/>
+        </a:effectRef>
+        <a:fontRef idx="minor"/>
+      </dsp:style>
+    </dsp:sp>
   </dsp:spTree>
 </dsp:drawing>
 </file>
@@ -26597,7 +27762,7 @@
             <p:ph idx="1"/>
             <p:extLst>
               <p:ext uri="{D42A27DB-BD31-4B8C-83A1-F6EECF244321}">
-                <p14:modId xmlns:p14="http://schemas.microsoft.com/office/powerpoint/2010/main" val="419811923"/>
+                <p14:modId xmlns:p14="http://schemas.microsoft.com/office/powerpoint/2010/main" val="1702854564"/>
               </p:ext>
             </p:extLst>
           </p:nvPr>
@@ -26948,7 +28113,23 @@
                       </a:r>
                       <a:r>
                         <a:rPr lang="en-US" sz="1600" dirty="0" smtClean="0"/>
-                        <a:t> &gt; 2009 AND</a:t>
+                        <a:t> </a:t>
+                      </a:r>
+                      <a:r>
+                        <a:rPr lang="en-US" sz="1600" dirty="0" smtClean="0"/>
+                        <a:t>&gt;</a:t>
+                      </a:r>
+                      <a:r>
+                        <a:rPr lang="vi-VN" sz="1600" dirty="0" smtClean="0"/>
+                        <a:t>=</a:t>
+                      </a:r>
+                      <a:r>
+                        <a:rPr lang="en-US" sz="1600" dirty="0" smtClean="0"/>
+                        <a:t> </a:t>
+                      </a:r>
+                      <a:r>
+                        <a:rPr lang="en-US" sz="1600" dirty="0" smtClean="0"/>
+                        <a:t>2009 AND</a:t>
                       </a:r>
                     </a:p>
                     <a:p>
@@ -26962,7 +28143,15 @@
                       </a:r>
                       <a:r>
                         <a:rPr lang="en-US" sz="1600" dirty="0" smtClean="0"/>
-                        <a:t> &lt; 2009</a:t>
+                        <a:t> </a:t>
+                      </a:r>
+                      <a:r>
+                        <a:rPr lang="en-US" sz="1600" dirty="0" smtClean="0"/>
+                        <a:t>&lt;= </a:t>
+                      </a:r>
+                      <a:r>
+                        <a:rPr lang="en-US" sz="1600" dirty="0" smtClean="0"/>
+                        <a:t>2009</a:t>
                       </a:r>
                     </a:p>
                   </a:txBody>
@@ -27020,8 +28209,9 @@
                     <a:p>
                       <a:r>
                         <a:rPr lang="en-US" sz="1600" dirty="0" smtClean="0"/>
-                        <a:t>UNION</a:t>
+                        <a:t>EXCEPT</a:t>
                       </a:r>
+                      <a:endParaRPr lang="en-US" sz="1600" dirty="0" smtClean="0"/>
                     </a:p>
                     <a:p>
                       <a:r>
@@ -27108,22 +28298,20 @@
                       </a:r>
                       <a:r>
                         <a:rPr lang="en-US" sz="1600" dirty="0" smtClean="0"/>
-                        <a:t> IN ('</a:t>
-                      </a:r>
-                      <a:r>
-                        <a:rPr lang="en-US" sz="1600" dirty="0" err="1" smtClean="0"/>
-                        <a:t>Spring','Summer','Fall','Winter</a:t>
+                        <a:t> IN </a:t>
                       </a:r>
                       <a:r>
                         <a:rPr lang="en-US" sz="1600" dirty="0" smtClean="0"/>
-                        <a:t>')</a:t>
+                        <a:t>('')</a:t>
                       </a:r>
+                      <a:endParaRPr lang="en-US" sz="1600" dirty="0" smtClean="0"/>
                     </a:p>
                     <a:p>
                       <a:r>
                         <a:rPr lang="en-US" sz="1600" dirty="0" smtClean="0"/>
-                        <a:t>UNION</a:t>
+                        <a:t>EXCEPT</a:t>
                       </a:r>
+                      <a:endParaRPr lang="en-US" sz="1600" dirty="0" smtClean="0"/>
                     </a:p>
                     <a:p>
                       <a:r>
@@ -27210,7 +28398,15 @@
                       </a:r>
                       <a:r>
                         <a:rPr lang="en-US" sz="1600" dirty="0" smtClean="0"/>
-                        <a:t> IN ('Spring')</a:t>
+                        <a:t> IN </a:t>
+                      </a:r>
+                      <a:r>
+                        <a:rPr lang="en-US" sz="1600" dirty="0" smtClean="0"/>
+                        <a:t>(‘</a:t>
+                      </a:r>
+                      <a:r>
+                        <a:rPr lang="vi-VN" sz="1600" dirty="0" smtClean="0"/>
+                        <a:t>Winter‘,’Fall’,’Summer’)</a:t>
                       </a:r>
                       <a:endParaRPr lang="vi-VN" sz="1600" dirty="0" smtClean="0"/>
                     </a:p>
@@ -27554,7 +28750,7 @@
             <p:ph idx="1"/>
             <p:extLst>
               <p:ext uri="{D42A27DB-BD31-4B8C-83A1-F6EECF244321}">
-                <p14:modId xmlns:p14="http://schemas.microsoft.com/office/powerpoint/2010/main" val="957521167"/>
+                <p14:modId xmlns:p14="http://schemas.microsoft.com/office/powerpoint/2010/main" val="2084062073"/>
               </p:ext>
             </p:extLst>
           </p:nvPr>
@@ -27669,14 +28865,27 @@
                     <a:p>
                       <a:r>
                         <a:rPr lang="vi-VN" sz="1400" dirty="0" smtClean="0"/>
-                        <a:t>      S.year &gt; 2009 AND</a:t>
+                        <a:t>      S.year </a:t>
+                      </a:r>
+                      <a:r>
+                        <a:rPr lang="vi-VN" sz="1400" dirty="0" smtClean="0"/>
+                        <a:t>&gt;= </a:t>
+                      </a:r>
+                      <a:r>
+                        <a:rPr lang="vi-VN" sz="1400" dirty="0" smtClean="0"/>
+                        <a:t>2009 AND</a:t>
                       </a:r>
                     </a:p>
                     <a:p>
                       <a:r>
                         <a:rPr lang="vi-VN" sz="1400" dirty="0" smtClean="0"/>
-                        <a:t>      S.year &lt; 2009</a:t>
+                        <a:t>      S.year </a:t>
                       </a:r>
+                      <a:r>
+                        <a:rPr lang="vi-VN" sz="1400" dirty="0" smtClean="0"/>
+                        <a:t>&lt;= 2014</a:t>
+                      </a:r>
+                      <a:endParaRPr lang="vi-VN" sz="1400" dirty="0" smtClean="0"/>
                     </a:p>
                     <a:p>
                       <a:r>
@@ -27773,8 +28982,9 @@
                     <a:p>
                       <a:r>
                         <a:rPr lang="vi-VN" sz="1400" dirty="0" smtClean="0"/>
-                        <a:t>UNION</a:t>
+                        <a:t>EXCEPT</a:t>
                       </a:r>
+                      <a:endParaRPr lang="vi-VN" sz="1400" dirty="0" smtClean="0"/>
                     </a:p>
                     <a:p>
                       <a:r>
@@ -27821,14 +29031,20 @@
                     <a:p>
                       <a:r>
                         <a:rPr lang="vi-VN" sz="1400" dirty="0" smtClean="0"/>
-                        <a:t>      S.season_in_year IN ('Spring','Summer','Fall','Winter')</a:t>
+                        <a:t>      S.season_in_year IN </a:t>
                       </a:r>
+                      <a:r>
+                        <a:rPr lang="vi-VN" sz="1400" dirty="0" smtClean="0"/>
+                        <a:t>('')</a:t>
+                      </a:r>
+                      <a:endParaRPr lang="vi-VN" sz="1400" dirty="0" smtClean="0"/>
                     </a:p>
                     <a:p>
                       <a:r>
                         <a:rPr lang="vi-VN" sz="1400" dirty="0" smtClean="0"/>
-                        <a:t>UNION</a:t>
+                        <a:t>EXCEPT</a:t>
                       </a:r>
+                      <a:endParaRPr lang="vi-VN" sz="1400" dirty="0" smtClean="0"/>
                     </a:p>
                     <a:p>
                       <a:r>
@@ -27875,8 +29091,13 @@
                     <a:p>
                       <a:r>
                         <a:rPr lang="vi-VN" sz="1400" dirty="0" smtClean="0"/>
-                        <a:t>      S.season_in_year IN ('Spring')</a:t>
+                        <a:t>      S.season_in_year IN </a:t>
                       </a:r>
+                      <a:r>
+                        <a:rPr lang="vi-VN" sz="1400" dirty="0" smtClean="0"/>
+                        <a:t>(‘Winter‘,’Fall’,’Summer’)</a:t>
+                      </a:r>
+                      <a:endParaRPr lang="vi-VN" sz="1400" dirty="0" smtClean="0"/>
                     </a:p>
                   </a:txBody>
                   <a:tcPr>
@@ -27994,7 +29215,7 @@
             <p:ph idx="1"/>
             <p:extLst>
               <p:ext uri="{D42A27DB-BD31-4B8C-83A1-F6EECF244321}">
-                <p14:modId xmlns:p14="http://schemas.microsoft.com/office/powerpoint/2010/main" val="2150729665"/>
+                <p14:modId xmlns:p14="http://schemas.microsoft.com/office/powerpoint/2010/main" val="2676285655"/>
               </p:ext>
             </p:extLst>
           </p:nvPr>
@@ -28119,14 +29340,27 @@
                     <a:p>
                       <a:r>
                         <a:rPr lang="vi-VN" sz="1400" dirty="0" smtClean="0"/>
-                        <a:t>              S.year &gt; 2007 AND</a:t>
+                        <a:t>              S.year </a:t>
+                      </a:r>
+                      <a:r>
+                        <a:rPr lang="vi-VN" sz="1400" dirty="0" smtClean="0"/>
+                        <a:t>&gt;= </a:t>
+                      </a:r>
+                      <a:r>
+                        <a:rPr lang="vi-VN" sz="1400" dirty="0" smtClean="0"/>
+                        <a:t>2007 AND</a:t>
                       </a:r>
                     </a:p>
                     <a:p>
                       <a:r>
                         <a:rPr lang="vi-VN" sz="1400" dirty="0" smtClean="0"/>
-                        <a:t>              S.year &lt; 2007</a:t>
+                        <a:t>              S.year </a:t>
                       </a:r>
+                      <a:r>
+                        <a:rPr lang="vi-VN" sz="1400" dirty="0" smtClean="0"/>
+                        <a:t>&lt;= 2014</a:t>
+                      </a:r>
+                      <a:endParaRPr lang="vi-VN" sz="1400" dirty="0" smtClean="0"/>
                     </a:p>
                     <a:p>
                       <a:r>
@@ -28224,8 +29458,13 @@
                     <a:p>
                       <a:r>
                         <a:rPr lang="vi-VN" sz="1200" dirty="0" smtClean="0"/>
-                        <a:t>        UNION</a:t>
+                        <a:t>        </a:t>
                       </a:r>
+                      <a:r>
+                        <a:rPr lang="vi-VN" sz="1200" dirty="0" smtClean="0"/>
+                        <a:t>EXCEPT</a:t>
+                      </a:r>
+                      <a:endParaRPr lang="vi-VN" sz="1200" dirty="0" smtClean="0"/>
                     </a:p>
                     <a:p>
                       <a:r>
@@ -28272,14 +29511,24 @@
                     <a:p>
                       <a:r>
                         <a:rPr lang="vi-VN" sz="1200" dirty="0" smtClean="0"/>
-                        <a:t>              S.season_in_year IN ('Spring','Summer','Fall','Winter')</a:t>
+                        <a:t>              S.season_in_year IN </a:t>
                       </a:r>
+                      <a:r>
+                        <a:rPr lang="vi-VN" sz="1200" dirty="0" smtClean="0"/>
+                        <a:t>('')</a:t>
+                      </a:r>
+                      <a:endParaRPr lang="vi-VN" sz="1200" dirty="0" smtClean="0"/>
                     </a:p>
                     <a:p>
                       <a:r>
                         <a:rPr lang="vi-VN" sz="1200" dirty="0" smtClean="0"/>
-                        <a:t>        UNION</a:t>
+                        <a:t>        </a:t>
                       </a:r>
+                      <a:r>
+                        <a:rPr lang="vi-VN" sz="1200" dirty="0" smtClean="0"/>
+                        <a:t>EXCEPT</a:t>
+                      </a:r>
+                      <a:endParaRPr lang="vi-VN" sz="1200" dirty="0" smtClean="0"/>
                     </a:p>
                     <a:p>
                       <a:r>
@@ -28326,8 +29575,13 @@
                     <a:p>
                       <a:r>
                         <a:rPr lang="vi-VN" sz="1200" dirty="0" smtClean="0"/>
-                        <a:t>              S.season_in_year IN ('Spring')</a:t>
+                        <a:t>              S.season_in_year IN </a:t>
                       </a:r>
+                      <a:r>
+                        <a:rPr lang="vi-VN" sz="1200" dirty="0" smtClean="0"/>
+                        <a:t>(‘Winter‘, ‘Fall’,  ‘Summer’)</a:t>
+                      </a:r>
+                      <a:endParaRPr lang="vi-VN" sz="1200" dirty="0" smtClean="0"/>
                     </a:p>
                     <a:p>
                       <a:r>
@@ -30860,7 +32114,7 @@
           <a:noFill/>
           <a:extLst>
             <a:ext uri="{909E8E84-426E-40dd-AFC4-6F175D3DCCD1}">
-              <a14:hiddenFill xmlns="" xmlns:a14="http://schemas.microsoft.com/office/drawing/2010/main">
+              <a14:hiddenFill xmlns:a14="http://schemas.microsoft.com/office/drawing/2010/main" xmlns="">
                 <a:solidFill>
                   <a:srgbClr val="FFFFFF"/>
                 </a:solidFill>
